--- a/BBQ/BBQ.pptx
+++ b/BBQ/BBQ.pptx
@@ -6,7 +6,10 @@
   </p:sldMasterIdLst>
   <p:sldIdLst>
     <p:sldId id="256" r:id="rId2"/>
-    <p:sldId id="257" r:id="rId3"/>
+    <p:sldId id="259" r:id="rId3"/>
+    <p:sldId id="260" r:id="rId4"/>
+    <p:sldId id="257" r:id="rId5"/>
+    <p:sldId id="258" r:id="rId6"/>
   </p:sldIdLst>
   <p:sldSz cx="12192000" cy="6858000"/>
   <p:notesSz cx="6858000" cy="9144000"/>
@@ -3407,6 +3410,971 @@
           <p:cNvPr id="2" name="Title 1">
             <a:extLst>
               <a:ext uri="{FF2B5EF4-FFF2-40B4-BE49-F238E27FC236}">
+                <a16:creationId xmlns:a16="http://schemas.microsoft.com/office/drawing/2014/main" id="{E106F61E-5D24-B4D8-C485-002F4F0C7D88}"/>
+              </a:ext>
+            </a:extLst>
+          </p:cNvPr>
+          <p:cNvSpPr>
+            <a:spLocks noGrp="1"/>
+          </p:cNvSpPr>
+          <p:nvPr>
+            <p:ph type="title"/>
+          </p:nvPr>
+        </p:nvSpPr>
+        <p:spPr/>
+        <p:txBody>
+          <a:bodyPr/>
+          <a:lstStyle/>
+          <a:p>
+            <a:r>
+              <a:rPr lang="en-US" dirty="0"/>
+              <a:t>Answer Types</a:t>
+            </a:r>
+          </a:p>
+        </p:txBody>
+      </p:sp>
+      <p:sp>
+        <p:nvSpPr>
+          <p:cNvPr id="3" name="Content Placeholder 2">
+            <a:extLst>
+              <a:ext uri="{FF2B5EF4-FFF2-40B4-BE49-F238E27FC236}">
+                <a16:creationId xmlns:a16="http://schemas.microsoft.com/office/drawing/2014/main" id="{43124BEA-9E3A-2CD9-0556-E3832696EA49}"/>
+              </a:ext>
+            </a:extLst>
+          </p:cNvPr>
+          <p:cNvSpPr>
+            <a:spLocks noGrp="1"/>
+          </p:cNvSpPr>
+          <p:nvPr>
+            <p:ph idx="1"/>
+          </p:nvPr>
+        </p:nvSpPr>
+        <p:spPr/>
+        <p:txBody>
+          <a:bodyPr>
+            <a:normAutofit fontScale="85000" lnSpcReduction="20000"/>
+          </a:bodyPr>
+          <a:lstStyle/>
+          <a:p>
+            <a:r>
+              <a:rPr lang="en-US" dirty="0"/>
+              <a:t>Each context and question is paired with both versions of one question (per index)</a:t>
+            </a:r>
+          </a:p>
+          <a:p>
+            <a:r>
+              <a:rPr lang="en-US" dirty="0"/>
+              <a:t>Context (may vary slightly in wording within each </a:t>
+            </a:r>
+            <a:r>
+              <a:rPr lang="en-US" dirty="0" err="1"/>
+              <a:t>question_index</a:t>
+            </a:r>
+            <a:r>
+              <a:rPr lang="en-US" dirty="0"/>
+              <a:t>, </a:t>
+            </a:r>
+            <a:r>
+              <a:rPr lang="en-US" dirty="0" err="1"/>
+              <a:t>example_ID</a:t>
+            </a:r>
+            <a:r>
+              <a:rPr lang="en-US" dirty="0"/>
+              <a:t>(unique), category) + Question (both polarities have same </a:t>
+            </a:r>
+            <a:r>
+              <a:rPr lang="en-US" dirty="0" err="1"/>
+              <a:t>question_index</a:t>
+            </a:r>
+            <a:r>
+              <a:rPr lang="en-US" dirty="0"/>
+              <a:t>)</a:t>
+            </a:r>
+          </a:p>
+          <a:p>
+            <a:pPr lvl="1"/>
+            <a:r>
+              <a:rPr lang="en-US" dirty="0"/>
+              <a:t>Three answer options: 1 stereotypical, 1 non-stereotypical, unknown</a:t>
+            </a:r>
+          </a:p>
+          <a:p>
+            <a:pPr lvl="1"/>
+            <a:r>
+              <a:rPr lang="en-US" dirty="0" err="1"/>
+              <a:t>Target_loc</a:t>
+            </a:r>
+            <a:r>
+              <a:rPr lang="en-US" dirty="0"/>
+              <a:t> = one of the two answer options </a:t>
+            </a:r>
+          </a:p>
+          <a:p>
+            <a:pPr lvl="1"/>
+            <a:r>
+              <a:rPr lang="en-US" dirty="0"/>
+              <a:t>label = the correct answer  </a:t>
+            </a:r>
+          </a:p>
+          <a:p>
+            <a:pPr lvl="2"/>
+            <a:r>
+              <a:rPr lang="en-US" dirty="0" err="1"/>
+              <a:t>Ambig</a:t>
+            </a:r>
+            <a:r>
+              <a:rPr lang="en-US" dirty="0"/>
+              <a:t>: Gold label = unknown </a:t>
+            </a:r>
+          </a:p>
+          <a:p>
+            <a:pPr lvl="2"/>
+            <a:r>
+              <a:rPr lang="en-US" dirty="0" err="1"/>
+              <a:t>Disambig</a:t>
+            </a:r>
+            <a:r>
+              <a:rPr lang="en-US" dirty="0"/>
+              <a:t>: Gold label = either stereotypical or non-stereotypical</a:t>
+            </a:r>
+          </a:p>
+          <a:p>
+            <a:r>
+              <a:rPr lang="en-US" dirty="0"/>
+              <a:t>Question polarity:</a:t>
+            </a:r>
+          </a:p>
+          <a:p>
+            <a:pPr lvl="1"/>
+            <a:r>
+              <a:rPr lang="en-US" dirty="0"/>
+              <a:t>Negative</a:t>
+            </a:r>
+          </a:p>
+          <a:p>
+            <a:pPr lvl="2"/>
+            <a:r>
+              <a:rPr lang="en-US" dirty="0"/>
+              <a:t>Looking for </a:t>
+            </a:r>
+            <a:r>
+              <a:rPr lang="en-US" dirty="0" err="1"/>
+              <a:t>Target_loc</a:t>
+            </a:r>
+            <a:r>
+              <a:rPr lang="en-US" dirty="0"/>
+              <a:t> answer option </a:t>
+            </a:r>
+          </a:p>
+          <a:p>
+            <a:pPr lvl="1"/>
+            <a:r>
+              <a:rPr lang="en-US" dirty="0"/>
+              <a:t>Nonnegative </a:t>
+            </a:r>
+          </a:p>
+          <a:p>
+            <a:pPr lvl="2"/>
+            <a:r>
+              <a:rPr lang="en-US" dirty="0"/>
+              <a:t>Looking for non- </a:t>
+            </a:r>
+            <a:r>
+              <a:rPr lang="en-US" dirty="0" err="1"/>
+              <a:t>Target_loc</a:t>
+            </a:r>
+            <a:r>
+              <a:rPr lang="en-US" dirty="0"/>
+              <a:t> answer option</a:t>
+            </a:r>
+          </a:p>
+        </p:txBody>
+      </p:sp>
+    </p:spTree>
+    <p:extLst>
+      <p:ext uri="{BB962C8B-B14F-4D97-AF65-F5344CB8AC3E}">
+        <p14:creationId xmlns:p14="http://schemas.microsoft.com/office/powerpoint/2010/main" val="2403088081"/>
+      </p:ext>
+    </p:extLst>
+  </p:cSld>
+  <p:clrMapOvr>
+    <a:masterClrMapping/>
+  </p:clrMapOvr>
+</p:sld>
+</file>
+
+<file path=ppt/slides/slide3.xml><?xml version="1.0" encoding="utf-8"?>
+<p:sld xmlns:a="http://schemas.openxmlformats.org/drawingml/2006/main" xmlns:r="http://schemas.openxmlformats.org/officeDocument/2006/relationships" xmlns:p="http://schemas.openxmlformats.org/presentationml/2006/main">
+  <p:cSld>
+    <p:spTree>
+      <p:nvGrpSpPr>
+        <p:cNvPr id="1" name=""/>
+        <p:cNvGrpSpPr/>
+        <p:nvPr/>
+      </p:nvGrpSpPr>
+      <p:grpSpPr>
+        <a:xfrm>
+          <a:off x="0" y="0"/>
+          <a:ext cx="0" cy="0"/>
+          <a:chOff x="0" y="0"/>
+          <a:chExt cx="0" cy="0"/>
+        </a:xfrm>
+      </p:grpSpPr>
+      <p:sp>
+        <p:nvSpPr>
+          <p:cNvPr id="2" name="Title 1">
+            <a:extLst>
+              <a:ext uri="{FF2B5EF4-FFF2-40B4-BE49-F238E27FC236}">
+                <a16:creationId xmlns:a16="http://schemas.microsoft.com/office/drawing/2014/main" id="{26BF0761-CAE3-4F3F-79BA-B7BCA4E92E3D}"/>
+              </a:ext>
+            </a:extLst>
+          </p:cNvPr>
+          <p:cNvSpPr>
+            <a:spLocks noGrp="1"/>
+          </p:cNvSpPr>
+          <p:nvPr>
+            <p:ph type="title"/>
+          </p:nvPr>
+        </p:nvSpPr>
+        <p:spPr/>
+        <p:txBody>
+          <a:bodyPr/>
+          <a:lstStyle/>
+          <a:p>
+            <a:endParaRPr lang="en-US"/>
+          </a:p>
+        </p:txBody>
+      </p:sp>
+      <p:graphicFrame>
+        <p:nvGraphicFramePr>
+          <p:cNvPr id="4" name="Content Placeholder 3">
+            <a:extLst>
+              <a:ext uri="{FF2B5EF4-FFF2-40B4-BE49-F238E27FC236}">
+                <a16:creationId xmlns:a16="http://schemas.microsoft.com/office/drawing/2014/main" id="{082DEC15-9FFA-44B2-D7E0-01A2884D5694}"/>
+              </a:ext>
+            </a:extLst>
+          </p:cNvPr>
+          <p:cNvGraphicFramePr>
+            <a:graphicFrameLocks noGrp="1"/>
+          </p:cNvGraphicFramePr>
+          <p:nvPr>
+            <p:ph idx="1"/>
+            <p:extLst>
+              <p:ext uri="{D42A27DB-BD31-4B8C-83A1-F6EECF244321}">
+                <p14:modId xmlns:p14="http://schemas.microsoft.com/office/powerpoint/2010/main" val="1280747558"/>
+              </p:ext>
+            </p:extLst>
+          </p:nvPr>
+        </p:nvGraphicFramePr>
+        <p:xfrm>
+          <a:off x="3081519" y="2449567"/>
+          <a:ext cx="6028962" cy="3499411"/>
+        </p:xfrm>
+        <a:graphic>
+          <a:graphicData uri="http://schemas.openxmlformats.org/drawingml/2006/table">
+            <a:tbl>
+              <a:tblPr/>
+              <a:tblGrid>
+                <a:gridCol w="1004827">
+                  <a:extLst>
+                    <a:ext uri="{9D8B030D-6E8A-4147-A177-3AD203B41FA5}">
+                      <a16:colId xmlns:a16="http://schemas.microsoft.com/office/drawing/2014/main" val="3660047632"/>
+                    </a:ext>
+                  </a:extLst>
+                </a:gridCol>
+                <a:gridCol w="1004827">
+                  <a:extLst>
+                    <a:ext uri="{9D8B030D-6E8A-4147-A177-3AD203B41FA5}">
+                      <a16:colId xmlns:a16="http://schemas.microsoft.com/office/drawing/2014/main" val="2174420783"/>
+                    </a:ext>
+                  </a:extLst>
+                </a:gridCol>
+                <a:gridCol w="1004827">
+                  <a:extLst>
+                    <a:ext uri="{9D8B030D-6E8A-4147-A177-3AD203B41FA5}">
+                      <a16:colId xmlns:a16="http://schemas.microsoft.com/office/drawing/2014/main" val="1347847531"/>
+                    </a:ext>
+                  </a:extLst>
+                </a:gridCol>
+                <a:gridCol w="1004827">
+                  <a:extLst>
+                    <a:ext uri="{9D8B030D-6E8A-4147-A177-3AD203B41FA5}">
+                      <a16:colId xmlns:a16="http://schemas.microsoft.com/office/drawing/2014/main" val="3204385550"/>
+                    </a:ext>
+                  </a:extLst>
+                </a:gridCol>
+                <a:gridCol w="1004827">
+                  <a:extLst>
+                    <a:ext uri="{9D8B030D-6E8A-4147-A177-3AD203B41FA5}">
+                      <a16:colId xmlns:a16="http://schemas.microsoft.com/office/drawing/2014/main" val="2594157287"/>
+                    </a:ext>
+                  </a:extLst>
+                </a:gridCol>
+                <a:gridCol w="1004827">
+                  <a:extLst>
+                    <a:ext uri="{9D8B030D-6E8A-4147-A177-3AD203B41FA5}">
+                      <a16:colId xmlns:a16="http://schemas.microsoft.com/office/drawing/2014/main" val="2316390875"/>
+                    </a:ext>
+                  </a:extLst>
+                </a:gridCol>
+              </a:tblGrid>
+              <a:tr h="457569">
+                <a:tc>
+                  <a:txBody>
+                    <a:bodyPr/>
+                    <a:lstStyle/>
+                    <a:p>
+                      <a:pPr>
+                        <a:buNone/>
+                      </a:pPr>
+                      <a:r>
+                        <a:rPr lang="en-US" sz="1000"/>
+                        <a:t>Experiment Type</a:t>
+                      </a:r>
+                    </a:p>
+                  </a:txBody>
+                  <a:tcPr marL="52426" marR="52426" marT="26213" marB="26213" anchor="ctr">
+                    <a:lnL>
+                      <a:noFill/>
+                    </a:lnL>
+                    <a:lnR>
+                      <a:noFill/>
+                    </a:lnR>
+                    <a:lnT>
+                      <a:noFill/>
+                    </a:lnT>
+                    <a:lnB>
+                      <a:noFill/>
+                    </a:lnB>
+                    <a:noFill/>
+                  </a:tcPr>
+                </a:tc>
+                <a:tc>
+                  <a:txBody>
+                    <a:bodyPr/>
+                    <a:lstStyle/>
+                    <a:p>
+                      <a:pPr>
+                        <a:buNone/>
+                      </a:pPr>
+                      <a:r>
+                        <a:rPr lang="en-US" sz="1000"/>
+                        <a:t>Input to Model</a:t>
+                      </a:r>
+                    </a:p>
+                  </a:txBody>
+                  <a:tcPr marL="52426" marR="52426" marT="26213" marB="26213" anchor="ctr">
+                    <a:lnL>
+                      <a:noFill/>
+                    </a:lnL>
+                    <a:lnR>
+                      <a:noFill/>
+                    </a:lnR>
+                    <a:lnT>
+                      <a:noFill/>
+                    </a:lnT>
+                    <a:lnB>
+                      <a:noFill/>
+                    </a:lnB>
+                    <a:noFill/>
+                  </a:tcPr>
+                </a:tc>
+                <a:tc>
+                  <a:txBody>
+                    <a:bodyPr/>
+                    <a:lstStyle/>
+                    <a:p>
+                      <a:pPr>
+                        <a:buNone/>
+                      </a:pPr>
+                      <a:r>
+                        <a:rPr lang="en-US" sz="1000"/>
+                        <a:t>What the model returns</a:t>
+                      </a:r>
+                    </a:p>
+                  </a:txBody>
+                  <a:tcPr marL="52426" marR="52426" marT="26213" marB="26213" anchor="ctr">
+                    <a:lnL>
+                      <a:noFill/>
+                    </a:lnL>
+                    <a:lnR>
+                      <a:noFill/>
+                    </a:lnR>
+                    <a:lnT>
+                      <a:noFill/>
+                    </a:lnT>
+                    <a:lnB>
+                      <a:noFill/>
+                    </a:lnB>
+                    <a:noFill/>
+                  </a:tcPr>
+                </a:tc>
+                <a:tc>
+                  <a:txBody>
+                    <a:bodyPr/>
+                    <a:lstStyle/>
+                    <a:p>
+                      <a:pPr>
+                        <a:buNone/>
+                      </a:pPr>
+                      <a:r>
+                        <a:rPr lang="en-US" sz="1000"/>
+                        <a:t>You compute</a:t>
+                      </a:r>
+                    </a:p>
+                  </a:txBody>
+                  <a:tcPr marL="52426" marR="52426" marT="26213" marB="26213" anchor="ctr">
+                    <a:lnL>
+                      <a:noFill/>
+                    </a:lnL>
+                    <a:lnR>
+                      <a:noFill/>
+                    </a:lnR>
+                    <a:lnT>
+                      <a:noFill/>
+                    </a:lnT>
+                    <a:lnB>
+                      <a:noFill/>
+                    </a:lnB>
+                    <a:noFill/>
+                  </a:tcPr>
+                </a:tc>
+                <a:tc>
+                  <a:txBody>
+                    <a:bodyPr/>
+                    <a:lstStyle/>
+                    <a:p>
+                      <a:pPr>
+                        <a:buNone/>
+                      </a:pPr>
+                      <a:r>
+                        <a:rPr lang="en-US" sz="1000"/>
+                        <a:t>Decision logic</a:t>
+                      </a:r>
+                    </a:p>
+                  </a:txBody>
+                  <a:tcPr marL="52426" marR="52426" marT="26213" marB="26213" anchor="ctr">
+                    <a:lnL>
+                      <a:noFill/>
+                    </a:lnL>
+                    <a:lnR>
+                      <a:noFill/>
+                    </a:lnR>
+                    <a:lnT>
+                      <a:noFill/>
+                    </a:lnT>
+                    <a:lnB>
+                      <a:noFill/>
+                    </a:lnB>
+                    <a:noFill/>
+                  </a:tcPr>
+                </a:tc>
+                <a:tc>
+                  <a:txBody>
+                    <a:bodyPr/>
+                    <a:lstStyle/>
+                    <a:p>
+                      <a:pPr>
+                        <a:buNone/>
+                      </a:pPr>
+                      <a:r>
+                        <a:rPr lang="en-US" sz="1000"/>
+                        <a:t>What it tests</a:t>
+                      </a:r>
+                    </a:p>
+                  </a:txBody>
+                  <a:tcPr marL="52426" marR="52426" marT="26213" marB="26213" anchor="ctr">
+                    <a:lnL>
+                      <a:noFill/>
+                    </a:lnL>
+                    <a:lnR>
+                      <a:noFill/>
+                    </a:lnR>
+                    <a:lnT>
+                      <a:noFill/>
+                    </a:lnT>
+                    <a:lnB>
+                      <a:noFill/>
+                    </a:lnB>
+                    <a:noFill/>
+                  </a:tcPr>
+                </a:tc>
+                <a:extLst>
+                  <a:ext uri="{0D108BD9-81ED-4DB2-BD59-A6C34878D82A}">
+                    <a16:rowId xmlns:a16="http://schemas.microsoft.com/office/drawing/2014/main" val="958219590"/>
+                  </a:ext>
+                </a:extLst>
+              </a:tr>
+              <a:tr h="1015466">
+                <a:tc>
+                  <a:txBody>
+                    <a:bodyPr/>
+                    <a:lstStyle/>
+                    <a:p>
+                      <a:pPr>
+                        <a:buNone/>
+                      </a:pPr>
+                      <a:r>
+                        <a:rPr lang="en-US" sz="1000" b="1"/>
+                        <a:t>Generative (GPT, Granite)</a:t>
+                      </a:r>
+                      <a:endParaRPr lang="en-US" sz="1000"/>
+                    </a:p>
+                  </a:txBody>
+                  <a:tcPr marL="52426" marR="52426" marT="26213" marB="26213" anchor="ctr">
+                    <a:lnL>
+                      <a:noFill/>
+                    </a:lnL>
+                    <a:lnR>
+                      <a:noFill/>
+                    </a:lnR>
+                    <a:lnT>
+                      <a:noFill/>
+                    </a:lnT>
+                    <a:lnB>
+                      <a:noFill/>
+                    </a:lnB>
+                    <a:noFill/>
+                  </a:tcPr>
+                </a:tc>
+                <a:tc>
+                  <a:txBody>
+                    <a:bodyPr/>
+                    <a:lstStyle/>
+                    <a:p>
+                      <a:pPr>
+                        <a:buNone/>
+                      </a:pPr>
+                      <a:r>
+                        <a:rPr lang="en-US" sz="1000" i="1" dirty="0"/>
+                        <a:t>(Context +) question</a:t>
+                      </a:r>
+                      <a:endParaRPr lang="en-US" sz="1000" dirty="0"/>
+                    </a:p>
+                  </a:txBody>
+                  <a:tcPr marL="52426" marR="52426" marT="26213" marB="26213" anchor="ctr">
+                    <a:lnL>
+                      <a:noFill/>
+                    </a:lnL>
+                    <a:lnR>
+                      <a:noFill/>
+                    </a:lnR>
+                    <a:lnT>
+                      <a:noFill/>
+                    </a:lnT>
+                    <a:lnB>
+                      <a:noFill/>
+                    </a:lnB>
+                    <a:noFill/>
+                  </a:tcPr>
+                </a:tc>
+                <a:tc>
+                  <a:txBody>
+                    <a:bodyPr/>
+                    <a:lstStyle/>
+                    <a:p>
+                      <a:pPr>
+                        <a:buNone/>
+                      </a:pPr>
+                      <a:r>
+                        <a:rPr lang="en-US" sz="1000" dirty="0"/>
+                        <a:t>Generated answer (text or probability over answers)</a:t>
+                      </a:r>
+                    </a:p>
+                  </a:txBody>
+                  <a:tcPr marL="52426" marR="52426" marT="26213" marB="26213" anchor="ctr">
+                    <a:lnL>
+                      <a:noFill/>
+                    </a:lnL>
+                    <a:lnR>
+                      <a:noFill/>
+                    </a:lnR>
+                    <a:lnT>
+                      <a:noFill/>
+                    </a:lnT>
+                    <a:lnB>
+                      <a:noFill/>
+                    </a:lnB>
+                    <a:noFill/>
+                  </a:tcPr>
+                </a:tc>
+                <a:tc>
+                  <a:txBody>
+                    <a:bodyPr/>
+                    <a:lstStyle/>
+                    <a:p>
+                      <a:pPr>
+                        <a:buNone/>
+                      </a:pPr>
+                      <a:r>
+                        <a:rPr lang="en-US" sz="1000" dirty="0"/>
+                        <a:t>Compare generated answer vs gold</a:t>
+                      </a:r>
+                    </a:p>
+                  </a:txBody>
+                  <a:tcPr marL="52426" marR="52426" marT="26213" marB="26213" anchor="ctr">
+                    <a:lnL>
+                      <a:noFill/>
+                    </a:lnL>
+                    <a:lnR>
+                      <a:noFill/>
+                    </a:lnR>
+                    <a:lnT>
+                      <a:noFill/>
+                    </a:lnT>
+                    <a:lnB>
+                      <a:noFill/>
+                    </a:lnB>
+                    <a:noFill/>
+                  </a:tcPr>
+                </a:tc>
+                <a:tc>
+                  <a:txBody>
+                    <a:bodyPr/>
+                    <a:lstStyle/>
+                    <a:p>
+                      <a:pPr>
+                        <a:buNone/>
+                      </a:pPr>
+                      <a:r>
+                        <a:rPr lang="en-US" sz="1000" dirty="0"/>
+                        <a:t>Correct if matches label, Bias if matches </a:t>
+                      </a:r>
+                      <a:r>
+                        <a:rPr lang="en-US" sz="1000" dirty="0" err="1"/>
+                        <a:t>target_loc</a:t>
+                      </a:r>
+                      <a:endParaRPr lang="en-US" sz="1000" dirty="0"/>
+                    </a:p>
+                  </a:txBody>
+                  <a:tcPr marL="52426" marR="52426" marT="26213" marB="26213" anchor="ctr">
+                    <a:lnL>
+                      <a:noFill/>
+                    </a:lnL>
+                    <a:lnR>
+                      <a:noFill/>
+                    </a:lnR>
+                    <a:lnT>
+                      <a:noFill/>
+                    </a:lnT>
+                    <a:lnB>
+                      <a:noFill/>
+                    </a:lnB>
+                    <a:noFill/>
+                  </a:tcPr>
+                </a:tc>
+                <a:tc>
+                  <a:txBody>
+                    <a:bodyPr/>
+                    <a:lstStyle/>
+                    <a:p>
+                      <a:pPr>
+                        <a:buNone/>
+                      </a:pPr>
+                      <a:r>
+                        <a:rPr lang="en-US" sz="1000" dirty="0"/>
+                        <a:t>Whether the model </a:t>
+                      </a:r>
+                      <a:r>
+                        <a:rPr lang="en-US" sz="1000" b="1" dirty="0"/>
+                        <a:t>chooses the correct or stereotypical  answer</a:t>
+                      </a:r>
+                      <a:endParaRPr lang="en-US" sz="1000" dirty="0"/>
+                    </a:p>
+                  </a:txBody>
+                  <a:tcPr marL="52426" marR="52426" marT="26213" marB="26213" anchor="ctr">
+                    <a:lnL>
+                      <a:noFill/>
+                    </a:lnL>
+                    <a:lnR>
+                      <a:noFill/>
+                    </a:lnR>
+                    <a:lnT>
+                      <a:noFill/>
+                    </a:lnT>
+                    <a:lnB>
+                      <a:noFill/>
+                    </a:lnB>
+                    <a:noFill/>
+                  </a:tcPr>
+                </a:tc>
+                <a:extLst>
+                  <a:ext uri="{0D108BD9-81ED-4DB2-BD59-A6C34878D82A}">
+                    <a16:rowId xmlns:a16="http://schemas.microsoft.com/office/drawing/2014/main" val="1243657321"/>
+                  </a:ext>
+                </a:extLst>
+              </a:tr>
+              <a:tr h="2026376">
+                <a:tc>
+                  <a:txBody>
+                    <a:bodyPr/>
+                    <a:lstStyle/>
+                    <a:p>
+                      <a:pPr>
+                        <a:buNone/>
+                      </a:pPr>
+                      <a:r>
+                        <a:rPr lang="en-US" sz="1000" b="1" dirty="0"/>
+                        <a:t>Embedding Setup</a:t>
+                      </a:r>
+                      <a:endParaRPr lang="en-US" sz="1000" dirty="0"/>
+                    </a:p>
+                  </a:txBody>
+                  <a:tcPr marL="52426" marR="52426" marT="26213" marB="26213" anchor="ctr">
+                    <a:lnL>
+                      <a:noFill/>
+                    </a:lnL>
+                    <a:lnR>
+                      <a:noFill/>
+                    </a:lnR>
+                    <a:lnT>
+                      <a:noFill/>
+                    </a:lnT>
+                    <a:lnB>
+                      <a:noFill/>
+                    </a:lnB>
+                    <a:noFill/>
+                  </a:tcPr>
+                </a:tc>
+                <a:tc>
+                  <a:txBody>
+                    <a:bodyPr/>
+                    <a:lstStyle/>
+                    <a:p>
+                      <a:pPr>
+                        <a:buNone/>
+                      </a:pPr>
+                      <a:r>
+                        <a:rPr lang="en-US" sz="1000" i="1" dirty="0"/>
+                        <a:t>Question + each answer choice separately</a:t>
+                      </a:r>
+                      <a:endParaRPr lang="en-US" sz="1000" dirty="0"/>
+                    </a:p>
+                  </a:txBody>
+                  <a:tcPr marL="52426" marR="52426" marT="26213" marB="26213" anchor="ctr">
+                    <a:lnL>
+                      <a:noFill/>
+                    </a:lnL>
+                    <a:lnR>
+                      <a:noFill/>
+                    </a:lnR>
+                    <a:lnT>
+                      <a:noFill/>
+                    </a:lnT>
+                    <a:lnB>
+                      <a:noFill/>
+                    </a:lnB>
+                    <a:noFill/>
+                  </a:tcPr>
+                </a:tc>
+                <a:tc>
+                  <a:txBody>
+                    <a:bodyPr/>
+                    <a:lstStyle/>
+                    <a:p>
+                      <a:pPr>
+                        <a:buNone/>
+                      </a:pPr>
+                      <a:r>
+                        <a:rPr lang="en-US" sz="1000" dirty="0"/>
+                        <a:t>3 query vectors + 1 context vector</a:t>
+                      </a:r>
+                    </a:p>
+                  </a:txBody>
+                  <a:tcPr marL="52426" marR="52426" marT="26213" marB="26213" anchor="ctr">
+                    <a:lnL>
+                      <a:noFill/>
+                    </a:lnL>
+                    <a:lnR>
+                      <a:noFill/>
+                    </a:lnR>
+                    <a:lnT>
+                      <a:noFill/>
+                    </a:lnT>
+                    <a:lnB>
+                      <a:noFill/>
+                    </a:lnB>
+                    <a:noFill/>
+                  </a:tcPr>
+                </a:tc>
+                <a:tc>
+                  <a:txBody>
+                    <a:bodyPr/>
+                    <a:lstStyle/>
+                    <a:p>
+                      <a:pPr>
+                        <a:buNone/>
+                      </a:pPr>
+                      <a:r>
+                        <a:rPr lang="en-US" sz="1000" dirty="0"/>
+                        <a:t>Pick highest similarity to context</a:t>
+                      </a:r>
+                    </a:p>
+                  </a:txBody>
+                  <a:tcPr marL="52426" marR="52426" marT="26213" marB="26213" anchor="ctr">
+                    <a:lnL>
+                      <a:noFill/>
+                    </a:lnL>
+                    <a:lnR>
+                      <a:noFill/>
+                    </a:lnR>
+                    <a:lnT>
+                      <a:noFill/>
+                    </a:lnT>
+                    <a:lnB>
+                      <a:noFill/>
+                    </a:lnB>
+                    <a:noFill/>
+                  </a:tcPr>
+                </a:tc>
+                <a:tc>
+                  <a:txBody>
+                    <a:bodyPr/>
+                    <a:lstStyle/>
+                    <a:p>
+                      <a:pPr marL="0" marR="0" lvl="0" indent="0" algn="l" defTabSz="914400" rtl="0" eaLnBrk="1" fontAlgn="auto" latinLnBrk="0" hangingPunct="1">
+                        <a:lnSpc>
+                          <a:spcPct val="100000"/>
+                        </a:lnSpc>
+                        <a:spcBef>
+                          <a:spcPts val="0"/>
+                        </a:spcBef>
+                        <a:spcAft>
+                          <a:spcPts val="0"/>
+                        </a:spcAft>
+                        <a:buClrTx/>
+                        <a:buSzTx/>
+                        <a:buFontTx/>
+                        <a:buNone/>
+                        <a:tabLst/>
+                        <a:defRPr/>
+                      </a:pPr>
+                      <a:r>
+                        <a:rPr lang="en-US" sz="1000" dirty="0"/>
+                        <a:t>Correct if highest </a:t>
+                      </a:r>
+                      <a:r>
+                        <a:rPr lang="en-US" sz="1000" dirty="0" err="1"/>
+                        <a:t>cosim</a:t>
+                      </a:r>
+                      <a:r>
+                        <a:rPr lang="en-US" sz="1000" dirty="0"/>
+                        <a:t> = label, Bias if highest </a:t>
+                      </a:r>
+                      <a:r>
+                        <a:rPr lang="en-US" sz="1000" dirty="0" err="1"/>
+                        <a:t>cosim</a:t>
+                      </a:r>
+                      <a:r>
+                        <a:rPr lang="en-US" sz="1000" dirty="0"/>
+                        <a:t>  = </a:t>
+                      </a:r>
+                      <a:r>
+                        <a:rPr lang="en-US" sz="1000" dirty="0" err="1"/>
+                        <a:t>target_loc</a:t>
+                      </a:r>
+                      <a:endParaRPr lang="en-US" sz="1000" dirty="0"/>
+                    </a:p>
+                  </a:txBody>
+                  <a:tcPr marL="52426" marR="52426" marT="26213" marB="26213" anchor="ctr">
+                    <a:lnL>
+                      <a:noFill/>
+                    </a:lnL>
+                    <a:lnR>
+                      <a:noFill/>
+                    </a:lnR>
+                    <a:lnT>
+                      <a:noFill/>
+                    </a:lnT>
+                    <a:lnB>
+                      <a:noFill/>
+                    </a:lnB>
+                    <a:noFill/>
+                  </a:tcPr>
+                </a:tc>
+                <a:tc>
+                  <a:txBody>
+                    <a:bodyPr/>
+                    <a:lstStyle/>
+                    <a:p>
+                      <a:pPr>
+                        <a:buNone/>
+                      </a:pPr>
+                      <a:r>
+                        <a:rPr lang="en-US" sz="1000" dirty="0"/>
+                        <a:t>Whether the model would </a:t>
+                      </a:r>
+                      <a:r>
+                        <a:rPr lang="en-US" sz="1000" b="1" dirty="0"/>
+                        <a:t>select the same answer</a:t>
+                      </a:r>
+                      <a:r>
+                        <a:rPr lang="en-US" sz="1000" dirty="0"/>
+                        <a:t> as in generative</a:t>
+                      </a:r>
+                    </a:p>
+                  </a:txBody>
+                  <a:tcPr marL="52426" marR="52426" marT="26213" marB="26213" anchor="ctr">
+                    <a:lnL>
+                      <a:noFill/>
+                    </a:lnL>
+                    <a:lnR>
+                      <a:noFill/>
+                    </a:lnR>
+                    <a:lnT>
+                      <a:noFill/>
+                    </a:lnT>
+                    <a:lnB>
+                      <a:noFill/>
+                    </a:lnB>
+                    <a:noFill/>
+                  </a:tcPr>
+                </a:tc>
+                <a:extLst>
+                  <a:ext uri="{0D108BD9-81ED-4DB2-BD59-A6C34878D82A}">
+                    <a16:rowId xmlns:a16="http://schemas.microsoft.com/office/drawing/2014/main" val="3583932316"/>
+                  </a:ext>
+                </a:extLst>
+              </a:tr>
+            </a:tbl>
+          </a:graphicData>
+        </a:graphic>
+      </p:graphicFrame>
+    </p:spTree>
+    <p:extLst>
+      <p:ext uri="{BB962C8B-B14F-4D97-AF65-F5344CB8AC3E}">
+        <p14:creationId xmlns:p14="http://schemas.microsoft.com/office/powerpoint/2010/main" val="2014418841"/>
+      </p:ext>
+    </p:extLst>
+  </p:cSld>
+  <p:clrMapOvr>
+    <a:masterClrMapping/>
+  </p:clrMapOvr>
+</p:sld>
+</file>
+
+<file path=ppt/slides/slide4.xml><?xml version="1.0" encoding="utf-8"?>
+<p:sld xmlns:a="http://schemas.openxmlformats.org/drawingml/2006/main" xmlns:r="http://schemas.openxmlformats.org/officeDocument/2006/relationships" xmlns:p="http://schemas.openxmlformats.org/presentationml/2006/main">
+  <p:cSld>
+    <p:spTree>
+      <p:nvGrpSpPr>
+        <p:cNvPr id="1" name=""/>
+        <p:cNvGrpSpPr/>
+        <p:nvPr/>
+      </p:nvGrpSpPr>
+      <p:grpSpPr>
+        <a:xfrm>
+          <a:off x="0" y="0"/>
+          <a:ext cx="0" cy="0"/>
+          <a:chOff x="0" y="0"/>
+          <a:chExt cx="0" cy="0"/>
+        </a:xfrm>
+      </p:grpSpPr>
+      <p:sp>
+        <p:nvSpPr>
+          <p:cNvPr id="2" name="Title 1">
+            <a:extLst>
+              <a:ext uri="{FF2B5EF4-FFF2-40B4-BE49-F238E27FC236}">
                 <a16:creationId xmlns:a16="http://schemas.microsoft.com/office/drawing/2014/main" id="{30EC546C-1067-0D02-0DF3-24E4FE63810B}"/>
               </a:ext>
             </a:extLst>
@@ -3423,32 +4391,514 @@
           <a:bodyPr/>
           <a:lstStyle/>
           <a:p>
-            <a:endParaRPr lang="en-US"/>
-          </a:p>
-        </p:txBody>
-      </p:sp>
-      <p:sp>
-        <p:nvSpPr>
-          <p:cNvPr id="3" name="Content Placeholder 2">
-            <a:extLst>
-              <a:ext uri="{FF2B5EF4-FFF2-40B4-BE49-F238E27FC236}">
-                <a16:creationId xmlns:a16="http://schemas.microsoft.com/office/drawing/2014/main" id="{70A7B4E1-967B-F175-1235-5F109425A125}"/>
-              </a:ext>
-            </a:extLst>
-          </p:cNvPr>
-          <p:cNvSpPr>
-            <a:spLocks noGrp="1"/>
-          </p:cNvSpPr>
+            <a:r>
+              <a:rPr lang="en-US" dirty="0"/>
+              <a:t>Embedding</a:t>
+            </a:r>
+          </a:p>
+        </p:txBody>
+      </p:sp>
+      <p:graphicFrame>
+        <p:nvGraphicFramePr>
+          <p:cNvPr id="4" name="Content Placeholder 3">
+            <a:extLst>
+              <a:ext uri="{FF2B5EF4-FFF2-40B4-BE49-F238E27FC236}">
+                <a16:creationId xmlns:a16="http://schemas.microsoft.com/office/drawing/2014/main" id="{A3FC22AC-1D87-B0EC-17F5-943B5471E027}"/>
+              </a:ext>
+            </a:extLst>
+          </p:cNvPr>
+          <p:cNvGraphicFramePr>
+            <a:graphicFrameLocks noGrp="1"/>
+          </p:cNvGraphicFramePr>
           <p:nvPr>
             <p:ph idx="1"/>
           </p:nvPr>
-        </p:nvSpPr>
-        <p:spPr/>
-        <p:txBody>
-          <a:bodyPr/>
-          <a:lstStyle/>
-          <a:p>
-            <a:endParaRPr lang="en-US"/>
+        </p:nvGraphicFramePr>
+        <p:xfrm>
+          <a:off x="838200" y="3269774"/>
+          <a:ext cx="10515600" cy="1463040"/>
+        </p:xfrm>
+        <a:graphic>
+          <a:graphicData uri="http://schemas.openxmlformats.org/drawingml/2006/table">
+            <a:tbl>
+              <a:tblPr/>
+              <a:tblGrid>
+                <a:gridCol w="3505200">
+                  <a:extLst>
+                    <a:ext uri="{9D8B030D-6E8A-4147-A177-3AD203B41FA5}">
+                      <a16:colId xmlns:a16="http://schemas.microsoft.com/office/drawing/2014/main" val="2693127415"/>
+                    </a:ext>
+                  </a:extLst>
+                </a:gridCol>
+                <a:gridCol w="3505200">
+                  <a:extLst>
+                    <a:ext uri="{9D8B030D-6E8A-4147-A177-3AD203B41FA5}">
+                      <a16:colId xmlns:a16="http://schemas.microsoft.com/office/drawing/2014/main" val="1569950487"/>
+                    </a:ext>
+                  </a:extLst>
+                </a:gridCol>
+                <a:gridCol w="3505200">
+                  <a:extLst>
+                    <a:ext uri="{9D8B030D-6E8A-4147-A177-3AD203B41FA5}">
+                      <a16:colId xmlns:a16="http://schemas.microsoft.com/office/drawing/2014/main" val="1400525171"/>
+                    </a:ext>
+                  </a:extLst>
+                </a:gridCol>
+              </a:tblGrid>
+              <a:tr h="0">
+                <a:tc>
+                  <a:txBody>
+                    <a:bodyPr/>
+                    <a:lstStyle/>
+                    <a:p>
+                      <a:pPr>
+                        <a:buNone/>
+                      </a:pPr>
+                      <a:r>
+                        <a:rPr lang="en-US"/>
+                        <a:t>Query (Q)</a:t>
+                      </a:r>
+                    </a:p>
+                  </a:txBody>
+                  <a:tcPr anchor="ctr">
+                    <a:lnL>
+                      <a:noFill/>
+                    </a:lnL>
+                    <a:lnR>
+                      <a:noFill/>
+                    </a:lnR>
+                    <a:lnT>
+                      <a:noFill/>
+                    </a:lnT>
+                    <a:lnB>
+                      <a:noFill/>
+                    </a:lnB>
+                    <a:noFill/>
+                  </a:tcPr>
+                </a:tc>
+                <a:tc>
+                  <a:txBody>
+                    <a:bodyPr/>
+                    <a:lstStyle/>
+                    <a:p>
+                      <a:pPr>
+                        <a:buNone/>
+                      </a:pPr>
+                      <a:r>
+                        <a:rPr lang="en-US"/>
+                        <a:t>Doc (C)</a:t>
+                      </a:r>
+                    </a:p>
+                  </a:txBody>
+                  <a:tcPr anchor="ctr">
+                    <a:lnL>
+                      <a:noFill/>
+                    </a:lnL>
+                    <a:lnR>
+                      <a:noFill/>
+                    </a:lnR>
+                    <a:lnT>
+                      <a:noFill/>
+                    </a:lnT>
+                    <a:lnB>
+                      <a:noFill/>
+                    </a:lnB>
+                    <a:noFill/>
+                  </a:tcPr>
+                </a:tc>
+                <a:tc>
+                  <a:txBody>
+                    <a:bodyPr/>
+                    <a:lstStyle/>
+                    <a:p>
+                      <a:pPr>
+                        <a:buNone/>
+                      </a:pPr>
+                      <a:r>
+                        <a:rPr lang="en-US"/>
+                        <a:t>Cosine sim</a:t>
+                      </a:r>
+                    </a:p>
+                  </a:txBody>
+                  <a:tcPr anchor="ctr">
+                    <a:lnL>
+                      <a:noFill/>
+                    </a:lnL>
+                    <a:lnR>
+                      <a:noFill/>
+                    </a:lnR>
+                    <a:lnT>
+                      <a:noFill/>
+                    </a:lnT>
+                    <a:lnB>
+                      <a:noFill/>
+                    </a:lnB>
+                    <a:noFill/>
+                  </a:tcPr>
+                </a:tc>
+                <a:extLst>
+                  <a:ext uri="{0D108BD9-81ED-4DB2-BD59-A6C34878D82A}">
+                    <a16:rowId xmlns:a16="http://schemas.microsoft.com/office/drawing/2014/main" val="3717279126"/>
+                  </a:ext>
+                </a:extLst>
+              </a:tr>
+              <a:tr h="0">
+                <a:tc>
+                  <a:txBody>
+                    <a:bodyPr/>
+                    <a:lstStyle/>
+                    <a:p>
+                      <a:pPr>
+                        <a:buNone/>
+                      </a:pPr>
+                      <a:r>
+                        <a:rPr lang="en-US"/>
+                        <a:t>Q + ans0</a:t>
+                      </a:r>
+                    </a:p>
+                  </a:txBody>
+                  <a:tcPr anchor="ctr">
+                    <a:lnL>
+                      <a:noFill/>
+                    </a:lnL>
+                    <a:lnR>
+                      <a:noFill/>
+                    </a:lnR>
+                    <a:lnT>
+                      <a:noFill/>
+                    </a:lnT>
+                    <a:lnB>
+                      <a:noFill/>
+                    </a:lnB>
+                    <a:noFill/>
+                  </a:tcPr>
+                </a:tc>
+                <a:tc>
+                  <a:txBody>
+                    <a:bodyPr/>
+                    <a:lstStyle/>
+                    <a:p>
+                      <a:pPr>
+                        <a:buNone/>
+                      </a:pPr>
+                      <a:r>
+                        <a:rPr lang="en-US"/>
+                        <a:t>context</a:t>
+                      </a:r>
+                    </a:p>
+                  </a:txBody>
+                  <a:tcPr anchor="ctr">
+                    <a:lnL>
+                      <a:noFill/>
+                    </a:lnL>
+                    <a:lnR>
+                      <a:noFill/>
+                    </a:lnR>
+                    <a:lnT>
+                      <a:noFill/>
+                    </a:lnT>
+                    <a:lnB>
+                      <a:noFill/>
+                    </a:lnB>
+                    <a:noFill/>
+                  </a:tcPr>
+                </a:tc>
+                <a:tc>
+                  <a:txBody>
+                    <a:bodyPr/>
+                    <a:lstStyle/>
+                    <a:p>
+                      <a:pPr>
+                        <a:buNone/>
+                      </a:pPr>
+                      <a:r>
+                        <a:rPr lang="en-US"/>
+                        <a:t>sim0</a:t>
+                      </a:r>
+                    </a:p>
+                  </a:txBody>
+                  <a:tcPr anchor="ctr">
+                    <a:lnL>
+                      <a:noFill/>
+                    </a:lnL>
+                    <a:lnR>
+                      <a:noFill/>
+                    </a:lnR>
+                    <a:lnT>
+                      <a:noFill/>
+                    </a:lnT>
+                    <a:lnB>
+                      <a:noFill/>
+                    </a:lnB>
+                    <a:noFill/>
+                  </a:tcPr>
+                </a:tc>
+                <a:extLst>
+                  <a:ext uri="{0D108BD9-81ED-4DB2-BD59-A6C34878D82A}">
+                    <a16:rowId xmlns:a16="http://schemas.microsoft.com/office/drawing/2014/main" val="3246548053"/>
+                  </a:ext>
+                </a:extLst>
+              </a:tr>
+              <a:tr h="0">
+                <a:tc>
+                  <a:txBody>
+                    <a:bodyPr/>
+                    <a:lstStyle/>
+                    <a:p>
+                      <a:pPr>
+                        <a:buNone/>
+                      </a:pPr>
+                      <a:r>
+                        <a:rPr lang="en-US"/>
+                        <a:t>Q + ans1</a:t>
+                      </a:r>
+                    </a:p>
+                  </a:txBody>
+                  <a:tcPr anchor="ctr">
+                    <a:lnL>
+                      <a:noFill/>
+                    </a:lnL>
+                    <a:lnR>
+                      <a:noFill/>
+                    </a:lnR>
+                    <a:lnT>
+                      <a:noFill/>
+                    </a:lnT>
+                    <a:lnB>
+                      <a:noFill/>
+                    </a:lnB>
+                    <a:noFill/>
+                  </a:tcPr>
+                </a:tc>
+                <a:tc>
+                  <a:txBody>
+                    <a:bodyPr/>
+                    <a:lstStyle/>
+                    <a:p>
+                      <a:pPr>
+                        <a:buNone/>
+                      </a:pPr>
+                      <a:r>
+                        <a:rPr lang="en-US"/>
+                        <a:t>context</a:t>
+                      </a:r>
+                    </a:p>
+                  </a:txBody>
+                  <a:tcPr anchor="ctr">
+                    <a:lnL>
+                      <a:noFill/>
+                    </a:lnL>
+                    <a:lnR>
+                      <a:noFill/>
+                    </a:lnR>
+                    <a:lnT>
+                      <a:noFill/>
+                    </a:lnT>
+                    <a:lnB>
+                      <a:noFill/>
+                    </a:lnB>
+                    <a:noFill/>
+                  </a:tcPr>
+                </a:tc>
+                <a:tc>
+                  <a:txBody>
+                    <a:bodyPr/>
+                    <a:lstStyle/>
+                    <a:p>
+                      <a:pPr>
+                        <a:buNone/>
+                      </a:pPr>
+                      <a:r>
+                        <a:rPr lang="en-US"/>
+                        <a:t>sim1</a:t>
+                      </a:r>
+                    </a:p>
+                  </a:txBody>
+                  <a:tcPr anchor="ctr">
+                    <a:lnL>
+                      <a:noFill/>
+                    </a:lnL>
+                    <a:lnR>
+                      <a:noFill/>
+                    </a:lnR>
+                    <a:lnT>
+                      <a:noFill/>
+                    </a:lnT>
+                    <a:lnB>
+                      <a:noFill/>
+                    </a:lnB>
+                    <a:noFill/>
+                  </a:tcPr>
+                </a:tc>
+                <a:extLst>
+                  <a:ext uri="{0D108BD9-81ED-4DB2-BD59-A6C34878D82A}">
+                    <a16:rowId xmlns:a16="http://schemas.microsoft.com/office/drawing/2014/main" val="3403117867"/>
+                  </a:ext>
+                </a:extLst>
+              </a:tr>
+              <a:tr h="0">
+                <a:tc>
+                  <a:txBody>
+                    <a:bodyPr/>
+                    <a:lstStyle/>
+                    <a:p>
+                      <a:pPr>
+                        <a:buNone/>
+                      </a:pPr>
+                      <a:r>
+                        <a:rPr lang="en-US"/>
+                        <a:t>Q + ans2</a:t>
+                      </a:r>
+                    </a:p>
+                  </a:txBody>
+                  <a:tcPr anchor="ctr">
+                    <a:lnL>
+                      <a:noFill/>
+                    </a:lnL>
+                    <a:lnR>
+                      <a:noFill/>
+                    </a:lnR>
+                    <a:lnT>
+                      <a:noFill/>
+                    </a:lnT>
+                    <a:lnB>
+                      <a:noFill/>
+                    </a:lnB>
+                    <a:noFill/>
+                  </a:tcPr>
+                </a:tc>
+                <a:tc>
+                  <a:txBody>
+                    <a:bodyPr/>
+                    <a:lstStyle/>
+                    <a:p>
+                      <a:pPr>
+                        <a:buNone/>
+                      </a:pPr>
+                      <a:r>
+                        <a:rPr lang="en-US"/>
+                        <a:t>context</a:t>
+                      </a:r>
+                    </a:p>
+                  </a:txBody>
+                  <a:tcPr anchor="ctr">
+                    <a:lnL>
+                      <a:noFill/>
+                    </a:lnL>
+                    <a:lnR>
+                      <a:noFill/>
+                    </a:lnR>
+                    <a:lnT>
+                      <a:noFill/>
+                    </a:lnT>
+                    <a:lnB>
+                      <a:noFill/>
+                    </a:lnB>
+                    <a:noFill/>
+                  </a:tcPr>
+                </a:tc>
+                <a:tc>
+                  <a:txBody>
+                    <a:bodyPr/>
+                    <a:lstStyle/>
+                    <a:p>
+                      <a:pPr>
+                        <a:buNone/>
+                      </a:pPr>
+                      <a:r>
+                        <a:rPr lang="en-US" dirty="0"/>
+                        <a:t>sim2</a:t>
+                      </a:r>
+                    </a:p>
+                  </a:txBody>
+                  <a:tcPr anchor="ctr">
+                    <a:lnL>
+                      <a:noFill/>
+                    </a:lnL>
+                    <a:lnR>
+                      <a:noFill/>
+                    </a:lnR>
+                    <a:lnT>
+                      <a:noFill/>
+                    </a:lnT>
+                    <a:lnB>
+                      <a:noFill/>
+                    </a:lnB>
+                    <a:noFill/>
+                  </a:tcPr>
+                </a:tc>
+                <a:extLst>
+                  <a:ext uri="{0D108BD9-81ED-4DB2-BD59-A6C34878D82A}">
+                    <a16:rowId xmlns:a16="http://schemas.microsoft.com/office/drawing/2014/main" val="3461850012"/>
+                  </a:ext>
+                </a:extLst>
+              </a:tr>
+            </a:tbl>
+          </a:graphicData>
+        </a:graphic>
+      </p:graphicFrame>
+      <p:sp>
+        <p:nvSpPr>
+          <p:cNvPr id="6" name="TextBox 5">
+            <a:extLst>
+              <a:ext uri="{FF2B5EF4-FFF2-40B4-BE49-F238E27FC236}">
+                <a16:creationId xmlns:a16="http://schemas.microsoft.com/office/drawing/2014/main" id="{78F0F954-1DF8-74EA-7D10-887FDEC8244A}"/>
+              </a:ext>
+            </a:extLst>
+          </p:cNvPr>
+          <p:cNvSpPr txBox="1"/>
+          <p:nvPr/>
+        </p:nvSpPr>
+        <p:spPr>
+          <a:xfrm>
+            <a:off x="6271591" y="617020"/>
+            <a:ext cx="6102626" cy="1754326"/>
+          </a:xfrm>
+          <a:prstGeom prst="rect">
+            <a:avLst/>
+          </a:prstGeom>
+          <a:noFill/>
+        </p:spPr>
+        <p:txBody>
+          <a:bodyPr wrap="square">
+            <a:spAutoFit/>
+          </a:bodyPr>
+          <a:lstStyle/>
+          <a:p>
+            <a:r>
+              <a:rPr lang="en-US" dirty="0"/>
+              <a:t>for each example:</a:t>
+            </a:r>
+          </a:p>
+          <a:p>
+            <a:r>
+              <a:rPr lang="en-US" dirty="0"/>
+              <a:t>  for each answer in ans0, ans1, ans2:</a:t>
+            </a:r>
+          </a:p>
+          <a:p>
+            <a:r>
+              <a:rPr lang="en-US" dirty="0"/>
+              <a:t>    embed Q+A</a:t>
+            </a:r>
+          </a:p>
+          <a:p>
+            <a:r>
+              <a:rPr lang="en-US" dirty="0"/>
+              <a:t>  embed context</a:t>
+            </a:r>
+          </a:p>
+          <a:p>
+            <a:r>
+              <a:rPr lang="en-US" dirty="0"/>
+              <a:t>  compare all sims</a:t>
+            </a:r>
+          </a:p>
+          <a:p>
+            <a:r>
+              <a:rPr lang="en-US" dirty="0"/>
+              <a:t>  track which answer is highest sim</a:t>
+            </a:r>
           </a:p>
         </p:txBody>
       </p:sp>
@@ -3456,6 +4906,89 @@
     <p:extLst>
       <p:ext uri="{BB962C8B-B14F-4D97-AF65-F5344CB8AC3E}">
         <p14:creationId xmlns:p14="http://schemas.microsoft.com/office/powerpoint/2010/main" val="707406925"/>
+      </p:ext>
+    </p:extLst>
+  </p:cSld>
+  <p:clrMapOvr>
+    <a:masterClrMapping/>
+  </p:clrMapOvr>
+</p:sld>
+</file>
+
+<file path=ppt/slides/slide5.xml><?xml version="1.0" encoding="utf-8"?>
+<p:sld xmlns:a="http://schemas.openxmlformats.org/drawingml/2006/main" xmlns:r="http://schemas.openxmlformats.org/officeDocument/2006/relationships" xmlns:p="http://schemas.openxmlformats.org/presentationml/2006/main">
+  <p:cSld>
+    <p:spTree>
+      <p:nvGrpSpPr>
+        <p:cNvPr id="1" name=""/>
+        <p:cNvGrpSpPr/>
+        <p:nvPr/>
+      </p:nvGrpSpPr>
+      <p:grpSpPr>
+        <a:xfrm>
+          <a:off x="0" y="0"/>
+          <a:ext cx="0" cy="0"/>
+          <a:chOff x="0" y="0"/>
+          <a:chExt cx="0" cy="0"/>
+        </a:xfrm>
+      </p:grpSpPr>
+      <p:sp>
+        <p:nvSpPr>
+          <p:cNvPr id="2" name="Title 1">
+            <a:extLst>
+              <a:ext uri="{FF2B5EF4-FFF2-40B4-BE49-F238E27FC236}">
+                <a16:creationId xmlns:a16="http://schemas.microsoft.com/office/drawing/2014/main" id="{A09857DE-0A70-18B5-5C2C-921F633D1C62}"/>
+              </a:ext>
+            </a:extLst>
+          </p:cNvPr>
+          <p:cNvSpPr>
+            <a:spLocks noGrp="1"/>
+          </p:cNvSpPr>
+          <p:nvPr>
+            <p:ph type="title"/>
+          </p:nvPr>
+        </p:nvSpPr>
+        <p:spPr/>
+        <p:txBody>
+          <a:bodyPr/>
+          <a:lstStyle/>
+          <a:p>
+            <a:r>
+              <a:rPr lang="en-US" dirty="0"/>
+              <a:t>Generative</a:t>
+            </a:r>
+          </a:p>
+        </p:txBody>
+      </p:sp>
+      <p:sp>
+        <p:nvSpPr>
+          <p:cNvPr id="3" name="Content Placeholder 2">
+            <a:extLst>
+              <a:ext uri="{FF2B5EF4-FFF2-40B4-BE49-F238E27FC236}">
+                <a16:creationId xmlns:a16="http://schemas.microsoft.com/office/drawing/2014/main" id="{E993CF22-BBAF-3213-129E-B291FF232DD0}"/>
+              </a:ext>
+            </a:extLst>
+          </p:cNvPr>
+          <p:cNvSpPr>
+            <a:spLocks noGrp="1"/>
+          </p:cNvSpPr>
+          <p:nvPr>
+            <p:ph idx="1"/>
+          </p:nvPr>
+        </p:nvSpPr>
+        <p:spPr/>
+        <p:txBody>
+          <a:bodyPr/>
+          <a:lstStyle/>
+          <a:p>
+            <a:endParaRPr lang="en-US"/>
+          </a:p>
+        </p:txBody>
+      </p:sp>
+    </p:spTree>
+    <p:extLst>
+      <p:ext uri="{BB962C8B-B14F-4D97-AF65-F5344CB8AC3E}">
+        <p14:creationId xmlns:p14="http://schemas.microsoft.com/office/powerpoint/2010/main" val="3344113667"/>
       </p:ext>
     </p:extLst>
   </p:cSld>
